--- a/terraform/slides/delivery/04__managing-terraform-state.pptx
+++ b/terraform/slides/delivery/04__managing-terraform-state.pptx
@@ -7411,7 +7411,7 @@
         <p:spPr>
           <a:xfrm>
             <a:off x="41275" y="5423535"/>
-            <a:ext cx="9486900" cy="2273935"/>
+            <a:ext cx="9331325" cy="2273935"/>
           </a:xfrm>
           <a:prstGeom prst="rect">
             <a:avLst/>
